--- a/第5章-星载激光测高应用-12学时/第7节-星载激光测高作业-4学时.pptx
+++ b/第5章-星载激光测高应用-12学时/第7节-星载激光测高作业-4学时.pptx
@@ -519,7 +519,7 @@
       </p15:notesGuideLst>
     </p:ext>
     <p:ext uri="GoogleSlidesCustomDataVersion2">
-      <go:slidesCustomData xmlns:go="http://customooxmlschemas.google.com/" xmlns:ahyp="http://schemas.microsoft.com/office/drawing/2018/hyperlinkcolor" xmlns:p15="http://schemas.microsoft.com/office/powerpoint/2012/main" xmlns:p14="http://schemas.microsoft.com/office/powerpoint/2010/main" xmlns:com="http://schemas.openxmlformats.org/drawingml/2006/compatibility" xmlns:pvml="urn:schemas-microsoft-com:office:powerpoint" xmlns:v="urn:schemas-microsoft-com:vml" xmlns:o="urn:schemas-microsoft-com:office:office" xmlns:dgm="http://schemas.openxmlformats.org/drawingml/2006/diagram" xmlns:c="http://schemas.openxmlformats.org/drawingml/2006/chart" xmlns:mv="urn:schemas-microsoft-com:mac:vml" xmlns:mc="http://schemas.openxmlformats.org/markup-compatibility/2006" xmlns="" r:id="rId9" roundtripDataSignature="AMtx7mhrdXqdXeDmWHKlZFm0wIbiY6CvLQ=="/>
+      <go:slidesCustomData xmlns="" xmlns:mc="http://schemas.openxmlformats.org/markup-compatibility/2006" xmlns:mv="urn:schemas-microsoft-com:mac:vml" xmlns:c="http://schemas.openxmlformats.org/drawingml/2006/chart" xmlns:dgm="http://schemas.openxmlformats.org/drawingml/2006/diagram" xmlns:o="urn:schemas-microsoft-com:office:office" xmlns:v="urn:schemas-microsoft-com:vml" xmlns:pvml="urn:schemas-microsoft-com:office:powerpoint" xmlns:com="http://schemas.openxmlformats.org/drawingml/2006/compatibility" xmlns:p14="http://schemas.microsoft.com/office/powerpoint/2010/main" xmlns:p15="http://schemas.microsoft.com/office/powerpoint/2012/main" xmlns:ahyp="http://schemas.microsoft.com/office/drawing/2018/hyperlinkcolor" xmlns:go="http://customooxmlschemas.google.com/" r:id="rId9" roundtripDataSignature="AMtx7mhrdXqdXeDmWHKlZFm0wIbiY6CvLQ=="/>
     </p:ext>
   </p:extLst>
 </p:presentation>
@@ -21727,7 +21727,7 @@
         <p:spPr>
           <a:xfrm>
             <a:off x="653230" y="1745741"/>
-            <a:ext cx="7707000" cy="4463700"/>
+            <a:ext cx="7707000" cy="2462172"/>
           </a:xfrm>
           <a:prstGeom prst="rect">
             <a:avLst/>
@@ -21765,7 +21765,7 @@
                 <a:cs typeface="Arial"/>
                 <a:sym typeface="Arial"/>
               </a:rPr>
-              <a:t>内容：以小组为单位，选取藏东南xx冰川区域，结合SRTM DEM数据，利用ICESat和ICESat-2测高数据分析冰川消融速度。</a:t>
+              <a:t>内容：选取藏东南xx冰川区域，结合SRTM DEM数据，利用ICESat和ICESat-2测高数据分析冰川消融速度。</a:t>
             </a:r>
             <a:endParaRPr sz="2400" b="0" i="0" u="none" strike="noStrike" cap="none" dirty="0">
               <a:solidFill>
@@ -21806,29 +21806,6 @@
               </a:rPr>
               <a:t>提交实验报告一份。</a:t>
             </a:r>
-            <a:endParaRPr sz="2400" b="0" i="0" u="none" strike="noStrike" cap="none" dirty="0">
-              <a:solidFill>
-                <a:srgbClr val="000000"/>
-              </a:solidFill>
-              <a:latin typeface="Arial"/>
-              <a:ea typeface="Arial"/>
-              <a:cs typeface="Arial"/>
-              <a:sym typeface="Arial"/>
-            </a:endParaRPr>
-          </a:p>
-          <a:p>
-            <a:pPr marL="0" marR="0" lvl="0" indent="266700" algn="just" rtl="0">
-              <a:lnSpc>
-                <a:spcPct val="200000"/>
-              </a:lnSpc>
-              <a:spcBef>
-                <a:spcPts val="1200"/>
-              </a:spcBef>
-              <a:spcAft>
-                <a:spcPts val="0"/>
-              </a:spcAft>
-              <a:buNone/>
-            </a:pPr>
             <a:endParaRPr sz="2400" b="0" i="0" u="none" strike="noStrike" cap="none" dirty="0">
               <a:solidFill>
                 <a:srgbClr val="000000"/>
